--- a/public/materi/web/week5/Tailwind.pptx
+++ b/public/materi/web/week5/Tailwind.pptx
@@ -5,7 +5,7 @@
     <p:sldMasterId id="2147483648" r:id="rId1"/>
   </p:sldMasterIdLst>
   <p:handoutMasterIdLst>
-    <p:handoutMasterId r:id="rId12"/>
+    <p:handoutMasterId r:id="rId13"/>
   </p:handoutMasterIdLst>
   <p:sldIdLst>
     <p:sldId id="257" r:id="rId2"/>
@@ -16,8 +16,9 @@
     <p:sldId id="270" r:id="rId7"/>
     <p:sldId id="265" r:id="rId8"/>
     <p:sldId id="266" r:id="rId9"/>
-    <p:sldId id="267" r:id="rId10"/>
-    <p:sldId id="261" r:id="rId11"/>
+    <p:sldId id="271" r:id="rId10"/>
+    <p:sldId id="267" r:id="rId11"/>
+    <p:sldId id="261" r:id="rId12"/>
   </p:sldIdLst>
   <p:sldSz cx="12192000" cy="6858000"/>
   <p:notesSz cx="6858000" cy="9144000"/>
@@ -221,7 +222,7 @@
           <a:p>
             <a:fld id="{1D11ED12-7223-4830-903D-B2981E8899BD}" type="datetimeFigureOut">
               <a:rPr lang="en-ID" smtClean="0"/>
-              <a:t>07/03/2025</a:t>
+              <a:t>11/03/2025</a:t>
             </a:fld>
             <a:endParaRPr lang="en-ID"/>
           </a:p>
@@ -1807,7 +1808,7 @@
           <a:p>
             <a:fld id="{416235D9-8F5B-4146-AE33-01AFE4E78A79}" type="datetimeFigureOut">
               <a:rPr lang="en-ID" smtClean="0"/>
-              <a:t>07/03/2025</a:t>
+              <a:t>11/03/2025</a:t>
             </a:fld>
             <a:endParaRPr lang="en-ID"/>
           </a:p>
@@ -2263,6 +2264,102 @@
 </file>
 
 <file path=ppt/slides/slide10.xml><?xml version="1.0" encoding="utf-8"?>
+<p:sld xmlns:a="http://schemas.openxmlformats.org/drawingml/2006/main" xmlns:r="http://schemas.openxmlformats.org/officeDocument/2006/relationships" xmlns:p="http://schemas.openxmlformats.org/presentationml/2006/main">
+  <p:cSld>
+    <p:spTree>
+      <p:nvGrpSpPr>
+        <p:cNvPr id="1" name="">
+          <a:extLst>
+            <a:ext uri="{FF2B5EF4-FFF2-40B4-BE49-F238E27FC236}">
+              <a16:creationId xmlns:a16="http://schemas.microsoft.com/office/drawing/2014/main" id="{AF274FF8-0FC3-6879-761E-648CBC4A3981}"/>
+            </a:ext>
+          </a:extLst>
+        </p:cNvPr>
+        <p:cNvGrpSpPr/>
+        <p:nvPr/>
+      </p:nvGrpSpPr>
+      <p:grpSpPr>
+        <a:xfrm>
+          <a:off x="0" y="0"/>
+          <a:ext cx="0" cy="0"/>
+          <a:chOff x="0" y="0"/>
+          <a:chExt cx="0" cy="0"/>
+        </a:xfrm>
+      </p:grpSpPr>
+      <p:pic>
+        <p:nvPicPr>
+          <p:cNvPr id="10" name="Picture 9">
+            <a:extLst>
+              <a:ext uri="{FF2B5EF4-FFF2-40B4-BE49-F238E27FC236}">
+                <a16:creationId xmlns:a16="http://schemas.microsoft.com/office/drawing/2014/main" id="{B4B906B2-A2C4-FECB-3EF2-3EB8FACDA00C}"/>
+              </a:ext>
+            </a:extLst>
+          </p:cNvPr>
+          <p:cNvPicPr>
+            <a:picLocks noChangeAspect="1"/>
+          </p:cNvPicPr>
+          <p:nvPr/>
+        </p:nvPicPr>
+        <p:blipFill>
+          <a:blip r:embed="rId2"/>
+          <a:stretch>
+            <a:fillRect/>
+          </a:stretch>
+        </p:blipFill>
+        <p:spPr>
+          <a:xfrm>
+            <a:off x="7075077" y="2073461"/>
+            <a:ext cx="4830053" cy="2711078"/>
+          </a:xfrm>
+          <a:prstGeom prst="rect">
+            <a:avLst/>
+          </a:prstGeom>
+        </p:spPr>
+      </p:pic>
+      <p:pic>
+        <p:nvPicPr>
+          <p:cNvPr id="3" name="Picture 2">
+            <a:extLst>
+              <a:ext uri="{FF2B5EF4-FFF2-40B4-BE49-F238E27FC236}">
+                <a16:creationId xmlns:a16="http://schemas.microsoft.com/office/drawing/2014/main" id="{4BF43C0A-DF83-B72D-21CC-35413BDE033E}"/>
+              </a:ext>
+            </a:extLst>
+          </p:cNvPr>
+          <p:cNvPicPr>
+            <a:picLocks noChangeAspect="1"/>
+          </p:cNvPicPr>
+          <p:nvPr/>
+        </p:nvPicPr>
+        <p:blipFill>
+          <a:blip r:embed="rId3"/>
+          <a:stretch>
+            <a:fillRect/>
+          </a:stretch>
+        </p:blipFill>
+        <p:spPr>
+          <a:xfrm>
+            <a:off x="484094" y="1866552"/>
+            <a:ext cx="6334788" cy="3124895"/>
+          </a:xfrm>
+          <a:prstGeom prst="rect">
+            <a:avLst/>
+          </a:prstGeom>
+        </p:spPr>
+      </p:pic>
+    </p:spTree>
+    <p:extLst>
+      <p:ext uri="{BB962C8B-B14F-4D97-AF65-F5344CB8AC3E}">
+        <p14:creationId xmlns:p14="http://schemas.microsoft.com/office/powerpoint/2010/main" val="492246850"/>
+      </p:ext>
+    </p:extLst>
+  </p:cSld>
+  <p:clrMapOvr>
+    <a:masterClrMapping/>
+  </p:clrMapOvr>
+</p:sld>
+</file>
+
+<file path=ppt/slides/slide11.xml><?xml version="1.0" encoding="utf-8"?>
 <p:sld xmlns:a="http://schemas.openxmlformats.org/drawingml/2006/main" xmlns:r="http://schemas.openxmlformats.org/officeDocument/2006/relationships" xmlns:p="http://schemas.openxmlformats.org/presentationml/2006/main">
   <p:cSld>
     <p:spTree>
@@ -3669,6 +3766,221 @@
           </a:p>
         </p:txBody>
       </p:sp>
+      <p:sp>
+        <p:nvSpPr>
+          <p:cNvPr id="6" name="Content Placeholder 2">
+            <a:extLst>
+              <a:ext uri="{FF2B5EF4-FFF2-40B4-BE49-F238E27FC236}">
+                <a16:creationId xmlns:a16="http://schemas.microsoft.com/office/drawing/2014/main" id="{6E9A8768-0F64-63BB-8ACC-6FB8523A61AB}"/>
+              </a:ext>
+            </a:extLst>
+          </p:cNvPr>
+          <p:cNvSpPr txBox="1">
+            <a:spLocks/>
+          </p:cNvSpPr>
+          <p:nvPr/>
+        </p:nvSpPr>
+        <p:spPr>
+          <a:xfrm>
+            <a:off x="479133" y="4161912"/>
+            <a:ext cx="11233727" cy="1181054"/>
+          </a:xfrm>
+          <a:prstGeom prst="rect">
+            <a:avLst/>
+          </a:prstGeom>
+        </p:spPr>
+        <p:txBody>
+          <a:bodyPr vert="horz" lIns="91440" tIns="45720" rIns="91440" bIns="45720" rtlCol="0">
+            <a:normAutofit/>
+          </a:bodyPr>
+          <a:lstStyle>
+            <a:lvl1pPr marL="228600" indent="-228600" algn="just" defTabSz="914400" rtl="0" eaLnBrk="1" latinLnBrk="0" hangingPunct="1">
+              <a:lnSpc>
+                <a:spcPct val="125000"/>
+              </a:lnSpc>
+              <a:spcBef>
+                <a:spcPts val="1000"/>
+              </a:spcBef>
+              <a:buFont typeface="Arial" panose="020B0604020202020204" pitchFamily="34" charset="0"/>
+              <a:buChar char="•"/>
+              <a:defRPr sz="2800" kern="1200">
+                <a:solidFill>
+                  <a:srgbClr val="626262"/>
+                </a:solidFill>
+                <a:latin typeface="+mn-lt"/>
+                <a:ea typeface="+mn-ea"/>
+                <a:cs typeface="+mn-cs"/>
+              </a:defRPr>
+            </a:lvl1pPr>
+            <a:lvl2pPr marL="685800" indent="-228600" algn="just" defTabSz="914400" rtl="0" eaLnBrk="1" latinLnBrk="0" hangingPunct="1">
+              <a:lnSpc>
+                <a:spcPct val="125000"/>
+              </a:lnSpc>
+              <a:spcBef>
+                <a:spcPts val="500"/>
+              </a:spcBef>
+              <a:buFont typeface="Arial" panose="020B0604020202020204" pitchFamily="34" charset="0"/>
+              <a:buChar char="•"/>
+              <a:defRPr sz="2400" kern="1200">
+                <a:solidFill>
+                  <a:srgbClr val="626262"/>
+                </a:solidFill>
+                <a:latin typeface="+mn-lt"/>
+                <a:ea typeface="+mn-ea"/>
+                <a:cs typeface="+mn-cs"/>
+              </a:defRPr>
+            </a:lvl2pPr>
+            <a:lvl3pPr marL="1143000" indent="-228600" algn="just" defTabSz="914400" rtl="0" eaLnBrk="1" latinLnBrk="0" hangingPunct="1">
+              <a:lnSpc>
+                <a:spcPct val="125000"/>
+              </a:lnSpc>
+              <a:spcBef>
+                <a:spcPts val="500"/>
+              </a:spcBef>
+              <a:buFont typeface="Arial" panose="020B0604020202020204" pitchFamily="34" charset="0"/>
+              <a:buChar char="•"/>
+              <a:defRPr sz="2000" kern="1200">
+                <a:solidFill>
+                  <a:srgbClr val="626262"/>
+                </a:solidFill>
+                <a:latin typeface="+mn-lt"/>
+                <a:ea typeface="+mn-ea"/>
+                <a:cs typeface="+mn-cs"/>
+              </a:defRPr>
+            </a:lvl3pPr>
+            <a:lvl4pPr marL="1600200" indent="-228600" algn="just" defTabSz="914400" rtl="0" eaLnBrk="1" latinLnBrk="0" hangingPunct="1">
+              <a:lnSpc>
+                <a:spcPct val="125000"/>
+              </a:lnSpc>
+              <a:spcBef>
+                <a:spcPts val="500"/>
+              </a:spcBef>
+              <a:buFont typeface="Arial" panose="020B0604020202020204" pitchFamily="34" charset="0"/>
+              <a:buChar char="•"/>
+              <a:defRPr sz="1800" kern="1200">
+                <a:solidFill>
+                  <a:srgbClr val="626262"/>
+                </a:solidFill>
+                <a:latin typeface="+mn-lt"/>
+                <a:ea typeface="+mn-ea"/>
+                <a:cs typeface="+mn-cs"/>
+              </a:defRPr>
+            </a:lvl4pPr>
+            <a:lvl5pPr marL="2057400" indent="-228600" algn="just" defTabSz="914400" rtl="0" eaLnBrk="1" latinLnBrk="0" hangingPunct="1">
+              <a:lnSpc>
+                <a:spcPct val="125000"/>
+              </a:lnSpc>
+              <a:spcBef>
+                <a:spcPts val="500"/>
+              </a:spcBef>
+              <a:buFont typeface="Arial" panose="020B0604020202020204" pitchFamily="34" charset="0"/>
+              <a:buChar char="•"/>
+              <a:defRPr sz="1800" kern="1200">
+                <a:solidFill>
+                  <a:srgbClr val="626262"/>
+                </a:solidFill>
+                <a:latin typeface="+mn-lt"/>
+                <a:ea typeface="+mn-ea"/>
+                <a:cs typeface="+mn-cs"/>
+              </a:defRPr>
+            </a:lvl5pPr>
+            <a:lvl6pPr marL="2514600" indent="-228600" algn="l" defTabSz="914400" rtl="0" eaLnBrk="1" latinLnBrk="0" hangingPunct="1">
+              <a:lnSpc>
+                <a:spcPct val="90000"/>
+              </a:lnSpc>
+              <a:spcBef>
+                <a:spcPts val="500"/>
+              </a:spcBef>
+              <a:buFont typeface="Arial" panose="020B0604020202020204" pitchFamily="34" charset="0"/>
+              <a:buChar char="•"/>
+              <a:defRPr sz="1800" kern="1200">
+                <a:solidFill>
+                  <a:schemeClr val="tx1"/>
+                </a:solidFill>
+                <a:latin typeface="+mn-lt"/>
+                <a:ea typeface="+mn-ea"/>
+                <a:cs typeface="+mn-cs"/>
+              </a:defRPr>
+            </a:lvl6pPr>
+            <a:lvl7pPr marL="2971800" indent="-228600" algn="l" defTabSz="914400" rtl="0" eaLnBrk="1" latinLnBrk="0" hangingPunct="1">
+              <a:lnSpc>
+                <a:spcPct val="90000"/>
+              </a:lnSpc>
+              <a:spcBef>
+                <a:spcPts val="500"/>
+              </a:spcBef>
+              <a:buFont typeface="Arial" panose="020B0604020202020204" pitchFamily="34" charset="0"/>
+              <a:buChar char="•"/>
+              <a:defRPr sz="1800" kern="1200">
+                <a:solidFill>
+                  <a:schemeClr val="tx1"/>
+                </a:solidFill>
+                <a:latin typeface="+mn-lt"/>
+                <a:ea typeface="+mn-ea"/>
+                <a:cs typeface="+mn-cs"/>
+              </a:defRPr>
+            </a:lvl7pPr>
+            <a:lvl8pPr marL="3429000" indent="-228600" algn="l" defTabSz="914400" rtl="0" eaLnBrk="1" latinLnBrk="0" hangingPunct="1">
+              <a:lnSpc>
+                <a:spcPct val="90000"/>
+              </a:lnSpc>
+              <a:spcBef>
+                <a:spcPts val="500"/>
+              </a:spcBef>
+              <a:buFont typeface="Arial" panose="020B0604020202020204" pitchFamily="34" charset="0"/>
+              <a:buChar char="•"/>
+              <a:defRPr sz="1800" kern="1200">
+                <a:solidFill>
+                  <a:schemeClr val="tx1"/>
+                </a:solidFill>
+                <a:latin typeface="+mn-lt"/>
+                <a:ea typeface="+mn-ea"/>
+                <a:cs typeface="+mn-cs"/>
+              </a:defRPr>
+            </a:lvl8pPr>
+            <a:lvl9pPr marL="3886200" indent="-228600" algn="l" defTabSz="914400" rtl="0" eaLnBrk="1" latinLnBrk="0" hangingPunct="1">
+              <a:lnSpc>
+                <a:spcPct val="90000"/>
+              </a:lnSpc>
+              <a:spcBef>
+                <a:spcPts val="500"/>
+              </a:spcBef>
+              <a:buFont typeface="Arial" panose="020B0604020202020204" pitchFamily="34" charset="0"/>
+              <a:buChar char="•"/>
+              <a:defRPr sz="1800" kern="1200">
+                <a:solidFill>
+                  <a:schemeClr val="tx1"/>
+                </a:solidFill>
+                <a:latin typeface="+mn-lt"/>
+                <a:ea typeface="+mn-ea"/>
+                <a:cs typeface="+mn-cs"/>
+              </a:defRPr>
+            </a:lvl9pPr>
+          </a:lstStyle>
+          <a:p>
+            <a:pPr marL="0" indent="0">
+              <a:buFont typeface="Arial" panose="020B0604020202020204" pitchFamily="34" charset="0"/>
+              <a:buNone/>
+            </a:pPr>
+            <a:r>
+              <a:rPr lang="en-US" sz="2000" dirty="0"/>
+              <a:t>“</a:t>
+            </a:r>
+            <a:r>
+              <a:rPr lang="en-US" sz="2000" dirty="0">
+                <a:solidFill>
+                  <a:schemeClr val="bg1"/>
+                </a:solidFill>
+              </a:rPr>
+              <a:t>File Repo : https://github.com/BintangPerdana/p5_tailwind</a:t>
+            </a:r>
+            <a:r>
+              <a:rPr lang="en-US" sz="2000" dirty="0"/>
+              <a:t>”</a:t>
+            </a:r>
+          </a:p>
+        </p:txBody>
+      </p:sp>
     </p:spTree>
     <p:extLst>
       <p:ext uri="{BB962C8B-B14F-4D97-AF65-F5344CB8AC3E}">
@@ -5626,221 +5938,96 @@
           </a:p>
         </p:txBody>
       </p:sp>
-      <p:sp>
-        <p:nvSpPr>
-          <p:cNvPr id="6" name="Content Placeholder 2">
-            <a:extLst>
-              <a:ext uri="{FF2B5EF4-FFF2-40B4-BE49-F238E27FC236}">
-                <a16:creationId xmlns:a16="http://schemas.microsoft.com/office/drawing/2014/main" id="{6E9A8768-0F64-63BB-8ACC-6FB8523A61AB}"/>
-              </a:ext>
-            </a:extLst>
-          </p:cNvPr>
-          <p:cNvSpPr txBox="1">
-            <a:spLocks/>
-          </p:cNvSpPr>
+      <p:pic>
+        <p:nvPicPr>
+          <p:cNvPr id="5" name="Picture 4">
+            <a:extLst>
+              <a:ext uri="{FF2B5EF4-FFF2-40B4-BE49-F238E27FC236}">
+                <a16:creationId xmlns:a16="http://schemas.microsoft.com/office/drawing/2014/main" id="{1E5CC829-538A-8306-6F94-A037852B60BD}"/>
+              </a:ext>
+            </a:extLst>
+          </p:cNvPr>
+          <p:cNvPicPr>
+            <a:picLocks noChangeAspect="1"/>
+          </p:cNvPicPr>
           <p:nvPr/>
-        </p:nvSpPr>
+        </p:nvPicPr>
+        <p:blipFill>
+          <a:blip r:embed="rId2"/>
+          <a:stretch>
+            <a:fillRect/>
+          </a:stretch>
+        </p:blipFill>
         <p:spPr>
           <a:xfrm>
-            <a:off x="479133" y="4161912"/>
-            <a:ext cx="11233727" cy="1181054"/>
+            <a:off x="682079" y="2254444"/>
+            <a:ext cx="5144218" cy="1019317"/>
           </a:xfrm>
           <a:prstGeom prst="rect">
             <a:avLst/>
           </a:prstGeom>
         </p:spPr>
-        <p:txBody>
-          <a:bodyPr vert="horz" lIns="91440" tIns="45720" rIns="91440" bIns="45720" rtlCol="0">
-            <a:normAutofit/>
-          </a:bodyPr>
-          <a:lstStyle>
-            <a:lvl1pPr marL="228600" indent="-228600" algn="just" defTabSz="914400" rtl="0" eaLnBrk="1" latinLnBrk="0" hangingPunct="1">
-              <a:lnSpc>
-                <a:spcPct val="125000"/>
-              </a:lnSpc>
-              <a:spcBef>
-                <a:spcPts val="1000"/>
-              </a:spcBef>
-              <a:buFont typeface="Arial" panose="020B0604020202020204" pitchFamily="34" charset="0"/>
-              <a:buChar char="•"/>
-              <a:defRPr sz="2800" kern="1200">
-                <a:solidFill>
-                  <a:srgbClr val="626262"/>
-                </a:solidFill>
-                <a:latin typeface="+mn-lt"/>
-                <a:ea typeface="+mn-ea"/>
-                <a:cs typeface="+mn-cs"/>
-              </a:defRPr>
-            </a:lvl1pPr>
-            <a:lvl2pPr marL="685800" indent="-228600" algn="just" defTabSz="914400" rtl="0" eaLnBrk="1" latinLnBrk="0" hangingPunct="1">
-              <a:lnSpc>
-                <a:spcPct val="125000"/>
-              </a:lnSpc>
-              <a:spcBef>
-                <a:spcPts val="500"/>
-              </a:spcBef>
-              <a:buFont typeface="Arial" panose="020B0604020202020204" pitchFamily="34" charset="0"/>
-              <a:buChar char="•"/>
-              <a:defRPr sz="2400" kern="1200">
-                <a:solidFill>
-                  <a:srgbClr val="626262"/>
-                </a:solidFill>
-                <a:latin typeface="+mn-lt"/>
-                <a:ea typeface="+mn-ea"/>
-                <a:cs typeface="+mn-cs"/>
-              </a:defRPr>
-            </a:lvl2pPr>
-            <a:lvl3pPr marL="1143000" indent="-228600" algn="just" defTabSz="914400" rtl="0" eaLnBrk="1" latinLnBrk="0" hangingPunct="1">
-              <a:lnSpc>
-                <a:spcPct val="125000"/>
-              </a:lnSpc>
-              <a:spcBef>
-                <a:spcPts val="500"/>
-              </a:spcBef>
-              <a:buFont typeface="Arial" panose="020B0604020202020204" pitchFamily="34" charset="0"/>
-              <a:buChar char="•"/>
-              <a:defRPr sz="2000" kern="1200">
-                <a:solidFill>
-                  <a:srgbClr val="626262"/>
-                </a:solidFill>
-                <a:latin typeface="+mn-lt"/>
-                <a:ea typeface="+mn-ea"/>
-                <a:cs typeface="+mn-cs"/>
-              </a:defRPr>
-            </a:lvl3pPr>
-            <a:lvl4pPr marL="1600200" indent="-228600" algn="just" defTabSz="914400" rtl="0" eaLnBrk="1" latinLnBrk="0" hangingPunct="1">
-              <a:lnSpc>
-                <a:spcPct val="125000"/>
-              </a:lnSpc>
-              <a:spcBef>
-                <a:spcPts val="500"/>
-              </a:spcBef>
-              <a:buFont typeface="Arial" panose="020B0604020202020204" pitchFamily="34" charset="0"/>
-              <a:buChar char="•"/>
-              <a:defRPr sz="1800" kern="1200">
-                <a:solidFill>
-                  <a:srgbClr val="626262"/>
-                </a:solidFill>
-                <a:latin typeface="+mn-lt"/>
-                <a:ea typeface="+mn-ea"/>
-                <a:cs typeface="+mn-cs"/>
-              </a:defRPr>
-            </a:lvl4pPr>
-            <a:lvl5pPr marL="2057400" indent="-228600" algn="just" defTabSz="914400" rtl="0" eaLnBrk="1" latinLnBrk="0" hangingPunct="1">
-              <a:lnSpc>
-                <a:spcPct val="125000"/>
-              </a:lnSpc>
-              <a:spcBef>
-                <a:spcPts val="500"/>
-              </a:spcBef>
-              <a:buFont typeface="Arial" panose="020B0604020202020204" pitchFamily="34" charset="0"/>
-              <a:buChar char="•"/>
-              <a:defRPr sz="1800" kern="1200">
-                <a:solidFill>
-                  <a:srgbClr val="626262"/>
-                </a:solidFill>
-                <a:latin typeface="+mn-lt"/>
-                <a:ea typeface="+mn-ea"/>
-                <a:cs typeface="+mn-cs"/>
-              </a:defRPr>
-            </a:lvl5pPr>
-            <a:lvl6pPr marL="2514600" indent="-228600" algn="l" defTabSz="914400" rtl="0" eaLnBrk="1" latinLnBrk="0" hangingPunct="1">
-              <a:lnSpc>
-                <a:spcPct val="90000"/>
-              </a:lnSpc>
-              <a:spcBef>
-                <a:spcPts val="500"/>
-              </a:spcBef>
-              <a:buFont typeface="Arial" panose="020B0604020202020204" pitchFamily="34" charset="0"/>
-              <a:buChar char="•"/>
-              <a:defRPr sz="1800" kern="1200">
-                <a:solidFill>
-                  <a:schemeClr val="tx1"/>
-                </a:solidFill>
-                <a:latin typeface="+mn-lt"/>
-                <a:ea typeface="+mn-ea"/>
-                <a:cs typeface="+mn-cs"/>
-              </a:defRPr>
-            </a:lvl6pPr>
-            <a:lvl7pPr marL="2971800" indent="-228600" algn="l" defTabSz="914400" rtl="0" eaLnBrk="1" latinLnBrk="0" hangingPunct="1">
-              <a:lnSpc>
-                <a:spcPct val="90000"/>
-              </a:lnSpc>
-              <a:spcBef>
-                <a:spcPts val="500"/>
-              </a:spcBef>
-              <a:buFont typeface="Arial" panose="020B0604020202020204" pitchFamily="34" charset="0"/>
-              <a:buChar char="•"/>
-              <a:defRPr sz="1800" kern="1200">
-                <a:solidFill>
-                  <a:schemeClr val="tx1"/>
-                </a:solidFill>
-                <a:latin typeface="+mn-lt"/>
-                <a:ea typeface="+mn-ea"/>
-                <a:cs typeface="+mn-cs"/>
-              </a:defRPr>
-            </a:lvl7pPr>
-            <a:lvl8pPr marL="3429000" indent="-228600" algn="l" defTabSz="914400" rtl="0" eaLnBrk="1" latinLnBrk="0" hangingPunct="1">
-              <a:lnSpc>
-                <a:spcPct val="90000"/>
-              </a:lnSpc>
-              <a:spcBef>
-                <a:spcPts val="500"/>
-              </a:spcBef>
-              <a:buFont typeface="Arial" panose="020B0604020202020204" pitchFamily="34" charset="0"/>
-              <a:buChar char="•"/>
-              <a:defRPr sz="1800" kern="1200">
-                <a:solidFill>
-                  <a:schemeClr val="tx1"/>
-                </a:solidFill>
-                <a:latin typeface="+mn-lt"/>
-                <a:ea typeface="+mn-ea"/>
-                <a:cs typeface="+mn-cs"/>
-              </a:defRPr>
-            </a:lvl8pPr>
-            <a:lvl9pPr marL="3886200" indent="-228600" algn="l" defTabSz="914400" rtl="0" eaLnBrk="1" latinLnBrk="0" hangingPunct="1">
-              <a:lnSpc>
-                <a:spcPct val="90000"/>
-              </a:lnSpc>
-              <a:spcBef>
-                <a:spcPts val="500"/>
-              </a:spcBef>
-              <a:buFont typeface="Arial" panose="020B0604020202020204" pitchFamily="34" charset="0"/>
-              <a:buChar char="•"/>
-              <a:defRPr sz="1800" kern="1200">
-                <a:solidFill>
-                  <a:schemeClr val="tx1"/>
-                </a:solidFill>
-                <a:latin typeface="+mn-lt"/>
-                <a:ea typeface="+mn-ea"/>
-                <a:cs typeface="+mn-cs"/>
-              </a:defRPr>
-            </a:lvl9pPr>
-          </a:lstStyle>
-          <a:p>
-            <a:pPr marL="0" indent="0">
-              <a:buFont typeface="Arial" panose="020B0604020202020204" pitchFamily="34" charset="0"/>
-              <a:buNone/>
-            </a:pPr>
-            <a:r>
-              <a:rPr lang="en-US" sz="2000" dirty="0"/>
-              <a:t>“</a:t>
-            </a:r>
-            <a:r>
-              <a:rPr lang="en-US" sz="2000" dirty="0">
-                <a:solidFill>
-                  <a:schemeClr val="bg1"/>
-                </a:solidFill>
-              </a:rPr>
-              <a:t>File Repo : https://github.com/BintangPerdana/p5_tailwind</a:t>
-            </a:r>
-            <a:r>
-              <a:rPr lang="en-US" sz="2000" dirty="0"/>
-              <a:t>”</a:t>
-            </a:r>
-          </a:p>
-        </p:txBody>
-      </p:sp>
+      </p:pic>
+      <p:pic>
+        <p:nvPicPr>
+          <p:cNvPr id="8" name="Picture 7">
+            <a:extLst>
+              <a:ext uri="{FF2B5EF4-FFF2-40B4-BE49-F238E27FC236}">
+                <a16:creationId xmlns:a16="http://schemas.microsoft.com/office/drawing/2014/main" id="{3BC94453-FA38-8018-CF8C-0C635FE249D8}"/>
+              </a:ext>
+            </a:extLst>
+          </p:cNvPr>
+          <p:cNvPicPr>
+            <a:picLocks noChangeAspect="1"/>
+          </p:cNvPicPr>
+          <p:nvPr/>
+        </p:nvPicPr>
+        <p:blipFill>
+          <a:blip r:embed="rId3"/>
+          <a:stretch>
+            <a:fillRect/>
+          </a:stretch>
+        </p:blipFill>
+        <p:spPr>
+          <a:xfrm>
+            <a:off x="682079" y="3435498"/>
+            <a:ext cx="5229955" cy="2295845"/>
+          </a:xfrm>
+          <a:prstGeom prst="rect">
+            <a:avLst/>
+          </a:prstGeom>
+        </p:spPr>
+      </p:pic>
+      <p:pic>
+        <p:nvPicPr>
+          <p:cNvPr id="10" name="Picture 9">
+            <a:extLst>
+              <a:ext uri="{FF2B5EF4-FFF2-40B4-BE49-F238E27FC236}">
+                <a16:creationId xmlns:a16="http://schemas.microsoft.com/office/drawing/2014/main" id="{8E1BCCF5-4AF5-409F-D2AA-47CB3AE11B9A}"/>
+              </a:ext>
+            </a:extLst>
+          </p:cNvPr>
+          <p:cNvPicPr>
+            <a:picLocks noChangeAspect="1"/>
+          </p:cNvPicPr>
+          <p:nvPr/>
+        </p:nvPicPr>
+        <p:blipFill>
+          <a:blip r:embed="rId4"/>
+          <a:stretch>
+            <a:fillRect/>
+          </a:stretch>
+        </p:blipFill>
+        <p:spPr>
+          <a:xfrm>
+            <a:off x="6327598" y="3429000"/>
+            <a:ext cx="5182323" cy="981212"/>
+          </a:xfrm>
+          <a:prstGeom prst="rect">
+            <a:avLst/>
+          </a:prstGeom>
+        </p:spPr>
+      </p:pic>
     </p:spTree>
     <p:extLst>
       <p:ext uri="{BB962C8B-B14F-4D97-AF65-F5344CB8AC3E}">
@@ -5879,10 +6066,10 @@
       </p:grpSpPr>
       <p:pic>
         <p:nvPicPr>
-          <p:cNvPr id="7" name="Picture 6">
-            <a:extLst>
-              <a:ext uri="{FF2B5EF4-FFF2-40B4-BE49-F238E27FC236}">
-                <a16:creationId xmlns:a16="http://schemas.microsoft.com/office/drawing/2014/main" id="{0480C7F7-360B-4EB4-C7FA-D00F5E0E0313}"/>
+          <p:cNvPr id="10" name="Picture 9">
+            <a:extLst>
+              <a:ext uri="{FF2B5EF4-FFF2-40B4-BE49-F238E27FC236}">
+                <a16:creationId xmlns:a16="http://schemas.microsoft.com/office/drawing/2014/main" id="{39D3CB39-3CA8-AB56-6303-AEA78B341978}"/>
               </a:ext>
             </a:extLst>
           </p:cNvPr>
@@ -5899,8 +6086,38 @@
         </p:blipFill>
         <p:spPr>
           <a:xfrm>
-            <a:off x="1353671" y="1041574"/>
-            <a:ext cx="9083482" cy="5153037"/>
+            <a:off x="403410" y="1991344"/>
+            <a:ext cx="5576007" cy="2526868"/>
+          </a:xfrm>
+          <a:prstGeom prst="rect">
+            <a:avLst/>
+          </a:prstGeom>
+        </p:spPr>
+      </p:pic>
+      <p:pic>
+        <p:nvPicPr>
+          <p:cNvPr id="12" name="Picture 11">
+            <a:extLst>
+              <a:ext uri="{FF2B5EF4-FFF2-40B4-BE49-F238E27FC236}">
+                <a16:creationId xmlns:a16="http://schemas.microsoft.com/office/drawing/2014/main" id="{3F3DC55C-C7EA-DD83-2202-1F84C4A716FB}"/>
+              </a:ext>
+            </a:extLst>
+          </p:cNvPr>
+          <p:cNvPicPr>
+            <a:picLocks noChangeAspect="1"/>
+          </p:cNvPicPr>
+          <p:nvPr/>
+        </p:nvPicPr>
+        <p:blipFill>
+          <a:blip r:embed="rId3"/>
+          <a:stretch>
+            <a:fillRect/>
+          </a:stretch>
+        </p:blipFill>
+        <p:spPr>
+          <a:xfrm>
+            <a:off x="6253644" y="376518"/>
+            <a:ext cx="5050692" cy="5809129"/>
           </a:xfrm>
           <a:prstGeom prst="rect">
             <a:avLst/>
@@ -5928,7 +6145,7 @@
         <p:cNvPr id="1" name="">
           <a:extLst>
             <a:ext uri="{FF2B5EF4-FFF2-40B4-BE49-F238E27FC236}">
-              <a16:creationId xmlns:a16="http://schemas.microsoft.com/office/drawing/2014/main" id="{AF274FF8-0FC3-6879-761E-648CBC4A3981}"/>
+              <a16:creationId xmlns:a16="http://schemas.microsoft.com/office/drawing/2014/main" id="{F379B630-AA5F-25D0-5BAF-21B84673C439}"/>
             </a:ext>
           </a:extLst>
         </p:cNvPr>
@@ -5945,10 +6162,10 @@
       </p:grpSpPr>
       <p:pic>
         <p:nvPicPr>
-          <p:cNvPr id="10" name="Picture 9">
-            <a:extLst>
-              <a:ext uri="{FF2B5EF4-FFF2-40B4-BE49-F238E27FC236}">
-                <a16:creationId xmlns:a16="http://schemas.microsoft.com/office/drawing/2014/main" id="{B4B906B2-A2C4-FECB-3EF2-3EB8FACDA00C}"/>
+          <p:cNvPr id="7" name="Picture 6">
+            <a:extLst>
+              <a:ext uri="{FF2B5EF4-FFF2-40B4-BE49-F238E27FC236}">
+                <a16:creationId xmlns:a16="http://schemas.microsoft.com/office/drawing/2014/main" id="{84F9888F-0DAE-585B-4432-17A8FF376379}"/>
               </a:ext>
             </a:extLst>
           </p:cNvPr>
@@ -5965,8 +6182,68 @@
         </p:blipFill>
         <p:spPr>
           <a:xfrm>
-            <a:off x="1622612" y="1075843"/>
-            <a:ext cx="8946776" cy="5021768"/>
+            <a:off x="6545066" y="1520059"/>
+            <a:ext cx="5306691" cy="3010473"/>
+          </a:xfrm>
+          <a:prstGeom prst="rect">
+            <a:avLst/>
+          </a:prstGeom>
+        </p:spPr>
+      </p:pic>
+      <p:pic>
+        <p:nvPicPr>
+          <p:cNvPr id="8" name="Picture 7">
+            <a:extLst>
+              <a:ext uri="{FF2B5EF4-FFF2-40B4-BE49-F238E27FC236}">
+                <a16:creationId xmlns:a16="http://schemas.microsoft.com/office/drawing/2014/main" id="{D340DDE6-2914-C47E-C305-18583700AE6B}"/>
+              </a:ext>
+            </a:extLst>
+          </p:cNvPr>
+          <p:cNvPicPr>
+            <a:picLocks noChangeAspect="1"/>
+          </p:cNvPicPr>
+          <p:nvPr/>
+        </p:nvPicPr>
+        <p:blipFill>
+          <a:blip r:embed="rId3"/>
+          <a:stretch>
+            <a:fillRect/>
+          </a:stretch>
+        </p:blipFill>
+        <p:spPr>
+          <a:xfrm>
+            <a:off x="564776" y="3998133"/>
+            <a:ext cx="5531224" cy="2334764"/>
+          </a:xfrm>
+          <a:prstGeom prst="rect">
+            <a:avLst/>
+          </a:prstGeom>
+        </p:spPr>
+      </p:pic>
+      <p:pic>
+        <p:nvPicPr>
+          <p:cNvPr id="10" name="Picture 9">
+            <a:extLst>
+              <a:ext uri="{FF2B5EF4-FFF2-40B4-BE49-F238E27FC236}">
+                <a16:creationId xmlns:a16="http://schemas.microsoft.com/office/drawing/2014/main" id="{7987DB5E-C97C-AF49-3E78-53E03A33FD9B}"/>
+              </a:ext>
+            </a:extLst>
+          </p:cNvPr>
+          <p:cNvPicPr>
+            <a:picLocks noChangeAspect="1"/>
+          </p:cNvPicPr>
+          <p:nvPr/>
+        </p:nvPicPr>
+        <p:blipFill>
+          <a:blip r:embed="rId4"/>
+          <a:stretch>
+            <a:fillRect/>
+          </a:stretch>
+        </p:blipFill>
+        <p:spPr>
+          <a:xfrm>
+            <a:off x="564776" y="1094236"/>
+            <a:ext cx="4485378" cy="2032630"/>
           </a:xfrm>
           <a:prstGeom prst="rect">
             <a:avLst/>
@@ -5976,7 +6253,7 @@
     </p:spTree>
     <p:extLst>
       <p:ext uri="{BB962C8B-B14F-4D97-AF65-F5344CB8AC3E}">
-        <p14:creationId xmlns:p14="http://schemas.microsoft.com/office/powerpoint/2010/main" val="492246850"/>
+        <p14:creationId xmlns:p14="http://schemas.microsoft.com/office/powerpoint/2010/main" val="300489687"/>
       </p:ext>
     </p:extLst>
   </p:cSld>
